--- a/ChanJiaYi_P7337992_WMD_CA1.pptx
+++ b/ChanJiaYi_P7337992_WMD_CA1.pptx
@@ -5,7 +5,7 @@
     <p:sldMasterId id="2147483660" r:id="rId4"/>
   </p:sldMasterIdLst>
   <p:notesMasterIdLst>
-    <p:notesMasterId r:id="rId15"/>
+    <p:notesMasterId r:id="rId16"/>
   </p:notesMasterIdLst>
   <p:sldIdLst>
     <p:sldId id="278" r:id="rId5"/>
@@ -13,11 +13,12 @@
     <p:sldId id="279" r:id="rId7"/>
     <p:sldId id="281" r:id="rId8"/>
     <p:sldId id="282" r:id="rId9"/>
-    <p:sldId id="283" r:id="rId10"/>
-    <p:sldId id="284" r:id="rId11"/>
-    <p:sldId id="286" r:id="rId12"/>
-    <p:sldId id="285" r:id="rId13"/>
-    <p:sldId id="287" r:id="rId14"/>
+    <p:sldId id="284" r:id="rId10"/>
+    <p:sldId id="288" r:id="rId11"/>
+    <p:sldId id="283" r:id="rId12"/>
+    <p:sldId id="286" r:id="rId13"/>
+    <p:sldId id="285" r:id="rId14"/>
+    <p:sldId id="287" r:id="rId15"/>
   </p:sldIdLst>
   <p:sldSz cx="12192000" cy="6858000"/>
   <p:notesSz cx="6858000" cy="9144000"/>
@@ -1039,7 +1040,7 @@
     </p:spTree>
     <p:extLst>
       <p:ext uri="{BB962C8B-B14F-4D97-AF65-F5344CB8AC3E}">
-        <p14:creationId xmlns:p14="http://schemas.microsoft.com/office/powerpoint/2010/main" val="2321679650"/>
+        <p14:creationId xmlns:p14="http://schemas.microsoft.com/office/powerpoint/2010/main" val="4065460610"/>
       </p:ext>
     </p:extLst>
   </p:cSld>
@@ -1183,7 +1184,7 @@
     </p:spTree>
     <p:extLst>
       <p:ext uri="{BB962C8B-B14F-4D97-AF65-F5344CB8AC3E}">
-        <p14:creationId xmlns:p14="http://schemas.microsoft.com/office/powerpoint/2010/main" val="4065460610"/>
+        <p14:creationId xmlns:p14="http://schemas.microsoft.com/office/powerpoint/2010/main" val="1639665179"/>
       </p:ext>
     </p:extLst>
   </p:cSld>
@@ -1305,7 +1306,151 @@
                 <a:tabLst/>
                 <a:defRPr/>
               </a:pPr>
-              <a:t>9</a:t>
+              <a:t>8</a:t>
+            </a:fld>
+            <a:endParaRPr kumimoji="0" lang="en-US" sz="1200" b="0" i="0" u="none" strike="noStrike" kern="1200" cap="none" spc="0" normalizeH="0" baseline="0" noProof="0" dirty="0">
+              <a:ln>
+                <a:noFill/>
+              </a:ln>
+              <a:solidFill>
+                <a:prstClr val="black"/>
+              </a:solidFill>
+              <a:effectLst/>
+              <a:uLnTx/>
+              <a:uFillTx/>
+              <a:latin typeface="Calibri" panose="020F0502020204030204"/>
+              <a:ea typeface="+mn-ea"/>
+              <a:cs typeface="+mn-cs"/>
+            </a:endParaRPr>
+          </a:p>
+        </p:txBody>
+      </p:sp>
+    </p:spTree>
+    <p:extLst>
+      <p:ext uri="{BB962C8B-B14F-4D97-AF65-F5344CB8AC3E}">
+        <p14:creationId xmlns:p14="http://schemas.microsoft.com/office/powerpoint/2010/main" val="2321679650"/>
+      </p:ext>
+    </p:extLst>
+  </p:cSld>
+  <p:clrMapOvr>
+    <a:masterClrMapping/>
+  </p:clrMapOvr>
+</p:notes>
+</file>
+
+<file path=ppt/notesSlides/notesSlide7.xml><?xml version="1.0" encoding="utf-8"?>
+<p:notes xmlns:a="http://schemas.openxmlformats.org/drawingml/2006/main" xmlns:r="http://schemas.openxmlformats.org/officeDocument/2006/relationships" xmlns:p="http://schemas.openxmlformats.org/presentationml/2006/main">
+  <p:cSld>
+    <p:spTree>
+      <p:nvGrpSpPr>
+        <p:cNvPr id="1" name=""/>
+        <p:cNvGrpSpPr/>
+        <p:nvPr/>
+      </p:nvGrpSpPr>
+      <p:grpSpPr>
+        <a:xfrm>
+          <a:off x="0" y="0"/>
+          <a:ext cx="0" cy="0"/>
+          <a:chOff x="0" y="0"/>
+          <a:chExt cx="0" cy="0"/>
+        </a:xfrm>
+      </p:grpSpPr>
+      <p:sp>
+        <p:nvSpPr>
+          <p:cNvPr id="2" name="Slide Image Placeholder 1"/>
+          <p:cNvSpPr>
+            <a:spLocks noGrp="1" noRot="1" noChangeAspect="1"/>
+          </p:cNvSpPr>
+          <p:nvPr>
+            <p:ph type="sldImg"/>
+          </p:nvPr>
+        </p:nvSpPr>
+        <p:spPr/>
+      </p:sp>
+      <p:sp>
+        <p:nvSpPr>
+          <p:cNvPr id="3" name="Notes Placeholder 2"/>
+          <p:cNvSpPr>
+            <a:spLocks noGrp="1"/>
+          </p:cNvSpPr>
+          <p:nvPr>
+            <p:ph type="body" idx="1"/>
+          </p:nvPr>
+        </p:nvSpPr>
+        <p:spPr/>
+        <p:txBody>
+          <a:bodyPr/>
+          <a:lstStyle/>
+          <a:p>
+            <a:endParaRPr lang="en-US" dirty="0"/>
+          </a:p>
+        </p:txBody>
+      </p:sp>
+      <p:sp>
+        <p:nvSpPr>
+          <p:cNvPr id="4" name="Slide Number Placeholder 3"/>
+          <p:cNvSpPr>
+            <a:spLocks noGrp="1"/>
+          </p:cNvSpPr>
+          <p:nvPr>
+            <p:ph type="sldNum" sz="quarter" idx="5"/>
+          </p:nvPr>
+        </p:nvSpPr>
+        <p:spPr/>
+        <p:txBody>
+          <a:bodyPr/>
+          <a:lstStyle/>
+          <a:p>
+            <a:pPr marL="0" marR="0" lvl="0" indent="0" algn="r" defTabSz="914400" rtl="0" eaLnBrk="1" fontAlgn="auto" latinLnBrk="0" hangingPunct="1">
+              <a:lnSpc>
+                <a:spcPct val="100000"/>
+              </a:lnSpc>
+              <a:spcBef>
+                <a:spcPts val="0"/>
+              </a:spcBef>
+              <a:spcAft>
+                <a:spcPts val="0"/>
+              </a:spcAft>
+              <a:buClrTx/>
+              <a:buSzTx/>
+              <a:buFontTx/>
+              <a:buNone/>
+              <a:tabLst/>
+              <a:defRPr/>
+            </a:pPr>
+            <a:fld id="{33AEA074-24A7-4657-AE02-A51F68EA6AA2}" type="slidenum">
+              <a:rPr kumimoji="0" lang="en-US" sz="1200" b="0" i="0" u="none" strike="noStrike" kern="1200" cap="none" spc="0" normalizeH="0" baseline="0" noProof="0" smtClean="0">
+                <a:ln>
+                  <a:noFill/>
+                </a:ln>
+                <a:solidFill>
+                  <a:prstClr val="black"/>
+                </a:solidFill>
+                <a:effectLst/>
+                <a:uLnTx/>
+                <a:uFillTx/>
+                <a:latin typeface="Calibri" panose="020F0502020204030204"/>
+                <a:ea typeface="+mn-ea"/>
+                <a:cs typeface="+mn-cs"/>
+              </a:rPr>
+              <a:pPr marL="0" marR="0" lvl="0" indent="0" algn="r" defTabSz="914400" rtl="0" eaLnBrk="1" fontAlgn="auto" latinLnBrk="0" hangingPunct="1">
+                <a:lnSpc>
+                  <a:spcPct val="100000"/>
+                </a:lnSpc>
+                <a:spcBef>
+                  <a:spcPts val="0"/>
+                </a:spcBef>
+                <a:spcAft>
+                  <a:spcPts val="0"/>
+                </a:spcAft>
+                <a:buClrTx/>
+                <a:buSzTx/>
+                <a:buFontTx/>
+                <a:buNone/>
+                <a:tabLst/>
+                <a:defRPr/>
+              </a:pPr>
+              <a:t>10</a:t>
             </a:fld>
             <a:endParaRPr kumimoji="0" lang="en-US" sz="1200" b="0" i="0" u="none" strike="noStrike" kern="1200" cap="none" spc="0" normalizeH="0" baseline="0" noProof="0" dirty="0">
               <a:ln>
@@ -7206,7 +7351,7 @@
           </a:effectLst>
           <a:extLst>
             <a:ext uri="{91240B29-F687-4f45-9708-019B960494DF}">
-              <a14:hiddenLine xmlns:a16="http://schemas.microsoft.com/office/drawing/2014/main" xmlns:p14="http://schemas.microsoft.com/office/powerpoint/2010/main" xmlns:a14="http://schemas.microsoft.com/office/drawing/2010/main" xmlns="" w="9525">
+              <a14:hiddenLine xmlns="" xmlns:a14="http://schemas.microsoft.com/office/drawing/2010/main" xmlns:p14="http://schemas.microsoft.com/office/powerpoint/2010/main" xmlns:a16="http://schemas.microsoft.com/office/drawing/2014/main" w="9525">
                 <a:solidFill>
                   <a:srgbClr val="000000"/>
                 </a:solidFill>
@@ -7353,6 +7498,256 @@
 </file>
 
 <file path=ppt/slides/slide10.xml><?xml version="1.0" encoding="utf-8"?>
+<p:sld xmlns:a="http://schemas.openxmlformats.org/drawingml/2006/main" xmlns:r="http://schemas.openxmlformats.org/officeDocument/2006/relationships" xmlns:p="http://schemas.openxmlformats.org/presentationml/2006/main">
+  <p:cSld>
+    <p:spTree>
+      <p:nvGrpSpPr>
+        <p:cNvPr id="1" name=""/>
+        <p:cNvGrpSpPr/>
+        <p:nvPr/>
+      </p:nvGrpSpPr>
+      <p:grpSpPr>
+        <a:xfrm>
+          <a:off x="0" y="0"/>
+          <a:ext cx="0" cy="0"/>
+          <a:chOff x="0" y="0"/>
+          <a:chExt cx="0" cy="0"/>
+        </a:xfrm>
+      </p:grpSpPr>
+      <p:pic>
+        <p:nvPicPr>
+          <p:cNvPr id="3" name="Picture 2">
+            <a:extLst>
+              <a:ext uri="{FF2B5EF4-FFF2-40B4-BE49-F238E27FC236}">
+                <a16:creationId xmlns:a16="http://schemas.microsoft.com/office/drawing/2014/main" id="{72B2D6DE-C9B5-4678-91EF-77E85F2350DA}"/>
+              </a:ext>
+              <a:ext uri="{C183D7F6-B498-43B3-948B-1728B52AA6E4}">
+                <adec:decorative xmlns:adec="http://schemas.microsoft.com/office/drawing/2017/decorative" val="1"/>
+              </a:ext>
+            </a:extLst>
+          </p:cNvPr>
+          <p:cNvPicPr>
+            <a:picLocks noChangeAspect="1"/>
+          </p:cNvPicPr>
+          <p:nvPr/>
+        </p:nvPicPr>
+        <p:blipFill rotWithShape="1">
+          <a:blip r:embed="rId3">
+            <a:extLst>
+              <a:ext uri="{28A0092B-C50C-407E-A947-70E740481C1C}">
+                <a14:useLocalDpi xmlns:a14="http://schemas.microsoft.com/office/drawing/2010/main" val="0"/>
+              </a:ext>
+            </a:extLst>
+          </a:blip>
+          <a:srcRect b="-1"/>
+          <a:stretch/>
+        </p:blipFill>
+        <p:spPr>
+          <a:xfrm>
+            <a:off x="-8622" y="10"/>
+            <a:ext cx="6096000" cy="6857990"/>
+          </a:xfrm>
+          <a:prstGeom prst="rect">
+            <a:avLst/>
+          </a:prstGeom>
+        </p:spPr>
+      </p:pic>
+      <p:sp>
+        <p:nvSpPr>
+          <p:cNvPr id="2" name="Title 1">
+            <a:extLst>
+              <a:ext uri="{FF2B5EF4-FFF2-40B4-BE49-F238E27FC236}">
+                <a16:creationId xmlns:a16="http://schemas.microsoft.com/office/drawing/2014/main" id="{89559F60-4CE1-4E2F-86EA-1B60679F1F4A}"/>
+              </a:ext>
+            </a:extLst>
+          </p:cNvPr>
+          <p:cNvSpPr>
+            <a:spLocks noGrp="1"/>
+          </p:cNvSpPr>
+          <p:nvPr>
+            <p:ph type="title"/>
+          </p:nvPr>
+        </p:nvSpPr>
+        <p:spPr>
+          <a:xfrm>
+            <a:off x="6900493" y="609600"/>
+            <a:ext cx="4538124" cy="970450"/>
+          </a:xfrm>
+        </p:spPr>
+        <p:txBody>
+          <a:bodyPr anchor="b">
+            <a:normAutofit/>
+          </a:bodyPr>
+          <a:lstStyle/>
+          <a:p>
+            <a:pPr algn="l"/>
+            <a:r>
+              <a:rPr lang="en-US" sz="4000" dirty="0"/>
+              <a:t>Features</a:t>
+            </a:r>
+          </a:p>
+        </p:txBody>
+      </p:sp>
+      <p:sp>
+        <p:nvSpPr>
+          <p:cNvPr id="24" name="Content Placeholder 2">
+            <a:extLst>
+              <a:ext uri="{FF2B5EF4-FFF2-40B4-BE49-F238E27FC236}">
+                <a16:creationId xmlns:a16="http://schemas.microsoft.com/office/drawing/2014/main" id="{F260476B-CCA6-412B-A9C5-399C34AE6F05}"/>
+              </a:ext>
+            </a:extLst>
+          </p:cNvPr>
+          <p:cNvSpPr>
+            <a:spLocks noGrp="1"/>
+          </p:cNvSpPr>
+          <p:nvPr>
+            <p:ph idx="1"/>
+          </p:nvPr>
+        </p:nvSpPr>
+        <p:spPr>
+          <a:xfrm>
+            <a:off x="6900493" y="1732449"/>
+            <a:ext cx="4403596" cy="4058751"/>
+          </a:xfrm>
+        </p:spPr>
+        <p:txBody>
+          <a:bodyPr anchor="t">
+            <a:normAutofit/>
+          </a:bodyPr>
+          <a:lstStyle/>
+          <a:p>
+            <a:pPr marL="36900" indent="0">
+              <a:buNone/>
+            </a:pPr>
+            <a:r>
+              <a:rPr lang="en-US" sz="2000" b="0" i="0" dirty="0">
+                <a:solidFill>
+                  <a:schemeClr val="tx1"/>
+                </a:solidFill>
+                <a:effectLst/>
+                <a:latin typeface="-apple-system"/>
+              </a:rPr>
+              <a:t>If there is a successful submission from index.html, it will lead to process.html</a:t>
+            </a:r>
+            <a:br>
+              <a:rPr lang="en-US" sz="2000" dirty="0">
+                <a:solidFill>
+                  <a:schemeClr val="tx1"/>
+                </a:solidFill>
+              </a:rPr>
+            </a:br>
+            <a:r>
+              <a:rPr lang="en-US" sz="2000" b="0" i="0" dirty="0">
+                <a:solidFill>
+                  <a:schemeClr val="tx1"/>
+                </a:solidFill>
+                <a:effectLst/>
+                <a:latin typeface="-apple-system"/>
+              </a:rPr>
+              <a:t>You can then click "Add to list“</a:t>
+            </a:r>
+            <a:r>
+              <a:rPr lang="en-US" sz="2000" b="0" i="0" dirty="0">
+                <a:solidFill>
+                  <a:schemeClr val="tx1"/>
+                </a:solidFill>
+                <a:effectLst/>
+                <a:latin typeface="-apple-system"/>
+                <a:sym typeface="Wingdings" panose="05000000000000000000" pitchFamily="2" charset="2"/>
+              </a:rPr>
+              <a:t> this will </a:t>
+            </a:r>
+            <a:r>
+              <a:rPr lang="en-US" sz="2000" dirty="0">
+                <a:solidFill>
+                  <a:schemeClr val="tx1"/>
+                </a:solidFill>
+                <a:effectLst/>
+                <a:latin typeface="-apple-system"/>
+                <a:sym typeface="Wingdings" panose="05000000000000000000" pitchFamily="2" charset="2"/>
+              </a:rPr>
+              <a:t> append </a:t>
+            </a:r>
+            <a:r>
+              <a:rPr lang="en-US" sz="2000" b="0" i="0" dirty="0">
+                <a:solidFill>
+                  <a:schemeClr val="tx1"/>
+                </a:solidFill>
+                <a:effectLst/>
+                <a:latin typeface="-apple-system"/>
+                <a:sym typeface="Wingdings" panose="05000000000000000000" pitchFamily="2" charset="2"/>
+              </a:rPr>
+              <a:t>the data to the table</a:t>
+            </a:r>
+            <a:endParaRPr lang="en-US" sz="2400" dirty="0">
+              <a:solidFill>
+                <a:schemeClr val="tx1"/>
+              </a:solidFill>
+            </a:endParaRPr>
+          </a:p>
+        </p:txBody>
+      </p:sp>
+      <p:pic>
+        <p:nvPicPr>
+          <p:cNvPr id="2050" name="Picture 2" descr="image">
+            <a:extLst>
+              <a:ext uri="{FF2B5EF4-FFF2-40B4-BE49-F238E27FC236}">
+                <a16:creationId xmlns:a16="http://schemas.microsoft.com/office/drawing/2014/main" id="{21FAD913-FD2F-9C88-1762-FD65483E9943}"/>
+              </a:ext>
+            </a:extLst>
+          </p:cNvPr>
+          <p:cNvPicPr>
+            <a:picLocks noChangeAspect="1" noChangeArrowheads="1"/>
+          </p:cNvPicPr>
+          <p:nvPr/>
+        </p:nvPicPr>
+        <p:blipFill>
+          <a:blip r:embed="rId4">
+            <a:extLst>
+              <a:ext uri="{28A0092B-C50C-407E-A947-70E740481C1C}">
+                <a14:useLocalDpi xmlns:a14="http://schemas.microsoft.com/office/drawing/2010/main" val="0"/>
+              </a:ext>
+            </a:extLst>
+          </a:blip>
+          <a:srcRect/>
+          <a:stretch>
+            <a:fillRect/>
+          </a:stretch>
+        </p:blipFill>
+        <p:spPr bwMode="auto">
+          <a:xfrm>
+            <a:off x="640682" y="1824037"/>
+            <a:ext cx="5295900" cy="3209925"/>
+          </a:xfrm>
+          <a:prstGeom prst="rect">
+            <a:avLst/>
+          </a:prstGeom>
+          <a:noFill/>
+          <a:extLst>
+            <a:ext uri="{909E8E84-426E-40DD-AFC4-6F175D3DCCD1}">
+              <a14:hiddenFill xmlns:a14="http://schemas.microsoft.com/office/drawing/2010/main">
+                <a:solidFill>
+                  <a:srgbClr val="FFFFFF"/>
+                </a:solidFill>
+              </a14:hiddenFill>
+            </a:ext>
+          </a:extLst>
+        </p:spPr>
+      </p:pic>
+    </p:spTree>
+    <p:extLst>
+      <p:ext uri="{BB962C8B-B14F-4D97-AF65-F5344CB8AC3E}">
+        <p14:creationId xmlns:p14="http://schemas.microsoft.com/office/powerpoint/2010/main" val="2964491342"/>
+      </p:ext>
+    </p:extLst>
+  </p:cSld>
+  <p:clrMapOvr>
+    <a:masterClrMapping/>
+  </p:clrMapOvr>
+</p:sld>
+</file>
+
+<file path=ppt/slides/slide11.xml><?xml version="1.0" encoding="utf-8"?>
 <p:sld xmlns:a="http://schemas.openxmlformats.org/drawingml/2006/main" xmlns:r="http://schemas.openxmlformats.org/officeDocument/2006/relationships" xmlns:p="http://schemas.openxmlformats.org/presentationml/2006/main">
   <p:cSld>
     <p:spTree>
@@ -8340,9 +8735,10 @@
           <a:p>
             <a:pPr algn="l"/>
             <a:r>
-              <a:rPr lang="en-US" sz="4000" dirty="0"/>
+              <a:rPr lang="en-US" sz="4000"/>
               <a:t>Features</a:t>
             </a:r>
+            <a:endParaRPr lang="en-US" sz="4000" dirty="0"/>
           </a:p>
         </p:txBody>
       </p:sp>
@@ -8364,83 +8760,37 @@
         </p:nvSpPr>
         <p:spPr>
           <a:xfrm>
-            <a:off x="6900493" y="1732449"/>
+            <a:off x="6874642" y="1789849"/>
             <a:ext cx="4403596" cy="4058751"/>
           </a:xfrm>
         </p:spPr>
         <p:txBody>
           <a:bodyPr anchor="t">
-            <a:normAutofit fontScale="92500"/>
+            <a:normAutofit/>
           </a:bodyPr>
           <a:lstStyle/>
           <a:p>
-            <a:pPr marL="36900" indent="0" algn="l">
+            <a:pPr marL="36900" indent="0">
               <a:buNone/>
             </a:pPr>
             <a:r>
-              <a:rPr lang="en-US" sz="2000" b="0" i="0" dirty="0">
+              <a:rPr lang="en-US" sz="2400">
+                <a:solidFill>
+                  <a:schemeClr val="tx1"/>
+                </a:solidFill>
+              </a:rPr>
+              <a:t>4. </a:t>
+            </a:r>
+            <a:r>
+              <a:rPr lang="en-US" sz="2000" b="0" i="0">
                 <a:solidFill>
                   <a:schemeClr val="tx1"/>
                 </a:solidFill>
                 <a:effectLst/>
                 <a:latin typeface="-apple-system"/>
               </a:rPr>
-              <a:t>4. Added Word count and remaining word count under the "Description" Textbox.</a:t>
-            </a:r>
-          </a:p>
-          <a:p>
-            <a:pPr marL="36900" indent="0" algn="l">
-              <a:buNone/>
-            </a:pPr>
-            <a:r>
-              <a:rPr lang="en-US" sz="2000" b="0" i="0" dirty="0">
-                <a:solidFill>
-                  <a:schemeClr val="tx1"/>
-                </a:solidFill>
-                <a:effectLst/>
-                <a:latin typeface="-apple-system"/>
-              </a:rPr>
-              <a:t>5. Reset button allows you to clear all the inputs, remove the yellow highlighting and also the reminder messages.</a:t>
-            </a:r>
-          </a:p>
-          <a:p>
-            <a:pPr marL="36900" indent="0" algn="l">
-              <a:buNone/>
-            </a:pPr>
-            <a:r>
-              <a:rPr lang="en-US" sz="2000" b="0" i="0" dirty="0">
-                <a:solidFill>
-                  <a:schemeClr val="tx1"/>
-                </a:solidFill>
-                <a:effectLst/>
-                <a:latin typeface="-apple-system"/>
-              </a:rPr>
-              <a:t>6. Once you have successfully completed the form(by clicking submit), you will be brought to "process.html"</a:t>
-            </a:r>
-            <a:br>
-              <a:rPr lang="en-US" sz="2000" b="0" i="0" dirty="0">
-                <a:solidFill>
-                  <a:schemeClr val="tx1"/>
-                </a:solidFill>
-                <a:effectLst/>
-                <a:latin typeface="-apple-system"/>
-              </a:rPr>
-            </a:br>
-            <a:r>
-              <a:rPr lang="en-US" sz="2000" b="0" i="0" dirty="0">
-                <a:solidFill>
-                  <a:schemeClr val="tx1"/>
-                </a:solidFill>
-                <a:effectLst/>
-                <a:latin typeface="-apple-system"/>
-              </a:rPr>
-              <a:t>Here is what a completed form should look like:</a:t>
-            </a:r>
-          </a:p>
-          <a:p>
-            <a:pPr marL="36900" indent="0">
-              <a:buNone/>
-            </a:pPr>
+              <a:t>If you type Duration like 13.4567, the app will round it to 2 decimal places like: 13.46 and at the same time, alert the user that they have accidentally indicated more than 2 decimal places. Once you get the correct value and read the alert memssage, you can click submit again and it will go through</a:t>
+            </a:r>
             <a:endParaRPr lang="en-US" sz="2400" dirty="0">
               <a:solidFill>
                 <a:schemeClr val="tx1"/>
@@ -8451,10 +8801,10 @@
       </p:sp>
       <p:pic>
         <p:nvPicPr>
-          <p:cNvPr id="4098" name="Picture 2" descr="image">
+          <p:cNvPr id="1026" name="Picture 2" descr="image">
             <a:extLst>
               <a:ext uri="{FF2B5EF4-FFF2-40B4-BE49-F238E27FC236}">
-                <a16:creationId xmlns:a16="http://schemas.microsoft.com/office/drawing/2014/main" id="{B1431B24-00AD-48C0-103D-4DCF49A07D2F}"/>
+                <a16:creationId xmlns:a16="http://schemas.microsoft.com/office/drawing/2014/main" id="{531E34A3-2983-6A10-97AF-822B6B9D4060}"/>
               </a:ext>
             </a:extLst>
           </p:cNvPr>
@@ -8478,8 +8828,55 @@
         </p:blipFill>
         <p:spPr bwMode="auto">
           <a:xfrm>
-            <a:off x="753383" y="1462087"/>
-            <a:ext cx="4905375" cy="3933825"/>
+            <a:off x="913762" y="8762"/>
+            <a:ext cx="4481440" cy="3225168"/>
+          </a:xfrm>
+          <a:prstGeom prst="rect">
+            <a:avLst/>
+          </a:prstGeom>
+          <a:noFill/>
+          <a:extLst>
+            <a:ext uri="{909E8E84-426E-40DD-AFC4-6F175D3DCCD1}">
+              <a14:hiddenFill xmlns:a14="http://schemas.microsoft.com/office/drawing/2010/main">
+                <a:solidFill>
+                  <a:srgbClr val="FFFFFF"/>
+                </a:solidFill>
+              </a14:hiddenFill>
+            </a:ext>
+          </a:extLst>
+        </p:spPr>
+      </p:pic>
+      <p:pic>
+        <p:nvPicPr>
+          <p:cNvPr id="1028" name="Picture 4" descr="image">
+            <a:extLst>
+              <a:ext uri="{FF2B5EF4-FFF2-40B4-BE49-F238E27FC236}">
+                <a16:creationId xmlns:a16="http://schemas.microsoft.com/office/drawing/2014/main" id="{CF264163-E7AF-AFAC-AFD9-14262AB5A5C1}"/>
+              </a:ext>
+            </a:extLst>
+          </p:cNvPr>
+          <p:cNvPicPr>
+            <a:picLocks noChangeAspect="1" noChangeArrowheads="1"/>
+          </p:cNvPicPr>
+          <p:nvPr/>
+        </p:nvPicPr>
+        <p:blipFill>
+          <a:blip r:embed="rId5">
+            <a:extLst>
+              <a:ext uri="{28A0092B-C50C-407E-A947-70E740481C1C}">
+                <a14:useLocalDpi xmlns:a14="http://schemas.microsoft.com/office/drawing/2010/main" val="0"/>
+              </a:ext>
+            </a:extLst>
+          </a:blip>
+          <a:srcRect/>
+          <a:stretch>
+            <a:fillRect/>
+          </a:stretch>
+        </p:blipFill>
+        <p:spPr bwMode="auto">
+          <a:xfrm>
+            <a:off x="912171" y="3418651"/>
+            <a:ext cx="4481440" cy="3428302"/>
           </a:xfrm>
           <a:prstGeom prst="rect">
             <a:avLst/>
@@ -8499,7 +8896,7 @@
     </p:spTree>
     <p:extLst>
       <p:ext uri="{BB962C8B-B14F-4D97-AF65-F5344CB8AC3E}">
-        <p14:creationId xmlns:p14="http://schemas.microsoft.com/office/powerpoint/2010/main" val="2360057233"/>
+        <p14:creationId xmlns:p14="http://schemas.microsoft.com/office/powerpoint/2010/main" val="309510129"/>
       </p:ext>
     </p:extLst>
   </p:cSld>
@@ -8594,9 +8991,10 @@
           <a:p>
             <a:pPr algn="l"/>
             <a:r>
-              <a:rPr lang="en-US" sz="4000" dirty="0"/>
+              <a:rPr lang="en-US" sz="4000"/>
               <a:t>Features</a:t>
             </a:r>
+            <a:endParaRPr lang="en-US" sz="4000" dirty="0"/>
           </a:p>
         </p:txBody>
       </p:sp>
@@ -8618,20 +9016,90 @@
         </p:nvSpPr>
         <p:spPr>
           <a:xfrm>
-            <a:off x="6900493" y="1732449"/>
+            <a:off x="6874642" y="1789849"/>
             <a:ext cx="4403596" cy="4058751"/>
           </a:xfrm>
         </p:spPr>
         <p:txBody>
           <a:bodyPr anchor="t">
-            <a:normAutofit/>
+            <a:normAutofit lnSpcReduction="10000"/>
           </a:bodyPr>
           <a:lstStyle/>
           <a:p>
             <a:pPr marL="36900" indent="0">
               <a:buNone/>
             </a:pPr>
-            <a:endParaRPr lang="en-US" sz="2400" dirty="0">
+            <a:r>
+              <a:rPr lang="en-US" sz="2400" b="0" i="0" dirty="0">
+                <a:solidFill>
+                  <a:schemeClr val="tx1"/>
+                </a:solidFill>
+                <a:effectLst/>
+                <a:latin typeface="-apple-system"/>
+              </a:rPr>
+              <a:t>5. If the "seconds" part of the Duration is more than 60 seconds, the app will round the number into </a:t>
+            </a:r>
+            <a:r>
+              <a:rPr lang="en-US" sz="2400" b="0" i="0" dirty="0" err="1">
+                <a:solidFill>
+                  <a:schemeClr val="tx1"/>
+                </a:solidFill>
+                <a:effectLst/>
+                <a:latin typeface="-apple-system"/>
+              </a:rPr>
+              <a:t>appropraite</a:t>
+            </a:r>
+            <a:r>
+              <a:rPr lang="en-US" sz="2400" b="0" i="0" dirty="0">
+                <a:solidFill>
+                  <a:schemeClr val="tx1"/>
+                </a:solidFill>
+                <a:effectLst/>
+                <a:latin typeface="-apple-system"/>
+              </a:rPr>
+              <a:t> form in the form of mins and seconds like </a:t>
+            </a:r>
+            <a:r>
+              <a:rPr lang="en-US" sz="2400" b="0" i="0" dirty="0" err="1">
+                <a:solidFill>
+                  <a:schemeClr val="tx1"/>
+                </a:solidFill>
+                <a:effectLst/>
+                <a:latin typeface="-apple-system"/>
+              </a:rPr>
+              <a:t>eg</a:t>
+            </a:r>
+            <a:r>
+              <a:rPr lang="en-US" sz="2400" b="0" i="0" dirty="0">
+                <a:solidFill>
+                  <a:schemeClr val="tx1"/>
+                </a:solidFill>
+                <a:effectLst/>
+                <a:latin typeface="-apple-system"/>
+              </a:rPr>
+              <a:t>: duration 14.789 --&gt; 15.19. Once you get the correct value and read the alert </a:t>
+            </a:r>
+            <a:r>
+              <a:rPr lang="en-US" sz="2400" b="0" i="0" dirty="0" err="1">
+                <a:solidFill>
+                  <a:schemeClr val="tx1"/>
+                </a:solidFill>
+                <a:effectLst/>
+                <a:latin typeface="-apple-system"/>
+              </a:rPr>
+              <a:t>memssage</a:t>
+            </a:r>
+            <a:r>
+              <a:rPr lang="en-US" sz="2400" b="0" i="0" dirty="0">
+                <a:solidFill>
+                  <a:schemeClr val="tx1"/>
+                </a:solidFill>
+                <a:effectLst/>
+                <a:latin typeface="-apple-system"/>
+              </a:rPr>
+              <a:t>, you can click submit again and it will go through.</a:t>
+            </a:r>
+            <a:endParaRPr lang="en-US" sz="2800" dirty="0">
               <a:solidFill>
                 <a:schemeClr val="tx1"/>
               </a:solidFill>
@@ -8639,10 +9107,57 @@
           </a:p>
         </p:txBody>
       </p:sp>
+      <p:pic>
+        <p:nvPicPr>
+          <p:cNvPr id="2050" name="Picture 2" descr="image">
+            <a:extLst>
+              <a:ext uri="{FF2B5EF4-FFF2-40B4-BE49-F238E27FC236}">
+                <a16:creationId xmlns:a16="http://schemas.microsoft.com/office/drawing/2014/main" id="{A4DAF3DF-E1C9-0CD5-DC54-33D54771B1C2}"/>
+              </a:ext>
+            </a:extLst>
+          </p:cNvPr>
+          <p:cNvPicPr>
+            <a:picLocks noChangeAspect="1" noChangeArrowheads="1"/>
+          </p:cNvPicPr>
+          <p:nvPr/>
+        </p:nvPicPr>
+        <p:blipFill>
+          <a:blip r:embed="rId4">
+            <a:extLst>
+              <a:ext uri="{28A0092B-C50C-407E-A947-70E740481C1C}">
+                <a14:useLocalDpi xmlns:a14="http://schemas.microsoft.com/office/drawing/2010/main" val="0"/>
+              </a:ext>
+            </a:extLst>
+          </a:blip>
+          <a:srcRect/>
+          <a:stretch>
+            <a:fillRect/>
+          </a:stretch>
+        </p:blipFill>
+        <p:spPr bwMode="auto">
+          <a:xfrm>
+            <a:off x="612859" y="1094825"/>
+            <a:ext cx="5191125" cy="4105275"/>
+          </a:xfrm>
+          <a:prstGeom prst="rect">
+            <a:avLst/>
+          </a:prstGeom>
+          <a:noFill/>
+          <a:extLst>
+            <a:ext uri="{909E8E84-426E-40DD-AFC4-6F175D3DCCD1}">
+              <a14:hiddenFill xmlns:a14="http://schemas.microsoft.com/office/drawing/2010/main">
+                <a:solidFill>
+                  <a:srgbClr val="FFFFFF"/>
+                </a:solidFill>
+              </a14:hiddenFill>
+            </a:ext>
+          </a:extLst>
+        </p:spPr>
+      </p:pic>
     </p:spTree>
     <p:extLst>
       <p:ext uri="{BB962C8B-B14F-4D97-AF65-F5344CB8AC3E}">
-        <p14:creationId xmlns:p14="http://schemas.microsoft.com/office/powerpoint/2010/main" val="309510129"/>
+        <p14:creationId xmlns:p14="http://schemas.microsoft.com/office/powerpoint/2010/main" val="3009613377"/>
       </p:ext>
     </p:extLst>
   </p:cSld>
@@ -8653,71 +9168,6 @@
 </file>
 
 <file path=ppt/slides/slide8.xml><?xml version="1.0" encoding="utf-8"?>
-<p:sld xmlns:a="http://schemas.openxmlformats.org/drawingml/2006/main" xmlns:r="http://schemas.openxmlformats.org/officeDocument/2006/relationships" xmlns:p="http://schemas.openxmlformats.org/presentationml/2006/main">
-  <p:cSld>
-    <p:spTree>
-      <p:nvGrpSpPr>
-        <p:cNvPr id="1" name=""/>
-        <p:cNvGrpSpPr/>
-        <p:nvPr/>
-      </p:nvGrpSpPr>
-      <p:grpSpPr>
-        <a:xfrm>
-          <a:off x="0" y="0"/>
-          <a:ext cx="0" cy="0"/>
-          <a:chOff x="0" y="0"/>
-          <a:chExt cx="0" cy="0"/>
-        </a:xfrm>
-      </p:grpSpPr>
-      <p:sp>
-        <p:nvSpPr>
-          <p:cNvPr id="2" name="Title 1">
-            <a:extLst>
-              <a:ext uri="{FF2B5EF4-FFF2-40B4-BE49-F238E27FC236}">
-                <a16:creationId xmlns:a16="http://schemas.microsoft.com/office/drawing/2014/main" id="{07A7CC53-61EC-C95B-640E-EA009F47C81D}"/>
-              </a:ext>
-            </a:extLst>
-          </p:cNvPr>
-          <p:cNvSpPr>
-            <a:spLocks noGrp="1"/>
-          </p:cNvSpPr>
-          <p:nvPr>
-            <p:ph type="title"/>
-          </p:nvPr>
-        </p:nvSpPr>
-        <p:spPr>
-          <a:xfrm>
-            <a:off x="919119" y="2566737"/>
-            <a:ext cx="10353762" cy="1257300"/>
-          </a:xfrm>
-        </p:spPr>
-        <p:txBody>
-          <a:bodyPr>
-            <a:normAutofit/>
-          </a:bodyPr>
-          <a:lstStyle/>
-          <a:p>
-            <a:r>
-              <a:rPr lang="en-US" sz="6600" dirty="0"/>
-              <a:t>process.html</a:t>
-            </a:r>
-          </a:p>
-        </p:txBody>
-      </p:sp>
-    </p:spTree>
-    <p:extLst>
-      <p:ext uri="{BB962C8B-B14F-4D97-AF65-F5344CB8AC3E}">
-        <p14:creationId xmlns:p14="http://schemas.microsoft.com/office/powerpoint/2010/main" val="3889973098"/>
-      </p:ext>
-    </p:extLst>
-  </p:cSld>
-  <p:clrMapOvr>
-    <a:masterClrMapping/>
-  </p:clrMapOvr>
-</p:sld>
-</file>
-
-<file path=ppt/slides/slide9.xml><?xml version="1.0" encoding="utf-8"?>
 <p:sld xmlns:a="http://schemas.openxmlformats.org/drawingml/2006/main" xmlns:r="http://schemas.openxmlformats.org/officeDocument/2006/relationships" xmlns:p="http://schemas.openxmlformats.org/presentationml/2006/main">
   <p:cSld>
     <p:spTree>
@@ -8832,13 +9282,23 @@
         </p:spPr>
         <p:txBody>
           <a:bodyPr anchor="t">
-            <a:normAutofit/>
+            <a:normAutofit fontScale="92500"/>
           </a:bodyPr>
           <a:lstStyle/>
           <a:p>
-            <a:pPr marL="36900" indent="0">
+            <a:pPr marL="36900" indent="0" algn="l">
               <a:buNone/>
             </a:pPr>
+            <a:r>
+              <a:rPr lang="en-US" sz="2000" dirty="0">
+                <a:solidFill>
+                  <a:schemeClr val="tx1"/>
+                </a:solidFill>
+                <a:effectLst/>
+                <a:latin typeface="-apple-system"/>
+              </a:rPr>
+              <a:t>6</a:t>
+            </a:r>
             <a:r>
               <a:rPr lang="en-US" sz="2000" b="0" i="0" dirty="0">
                 <a:solidFill>
@@ -8847,18 +9307,13 @@
                 <a:effectLst/>
                 <a:latin typeface="-apple-system"/>
               </a:rPr>
-              <a:t>If there is a successful submission from index.html, it </a:t>
-            </a:r>
-            <a:r>
-              <a:rPr lang="en-US" sz="2000" b="0" i="0" dirty="0" err="1">
-                <a:solidFill>
-                  <a:schemeClr val="tx1"/>
-                </a:solidFill>
-                <a:effectLst/>
-                <a:latin typeface="-apple-system"/>
-              </a:rPr>
-              <a:t>wil</a:t>
-            </a:r>
+              <a:t>. Added Word count and remaining word count under the "Description" Textbox.</a:t>
+            </a:r>
+          </a:p>
+          <a:p>
+            <a:pPr marL="36900" indent="0" algn="l">
+              <a:buNone/>
+            </a:pPr>
             <a:r>
               <a:rPr lang="en-US" sz="2000" b="0" i="0" dirty="0">
                 <a:solidFill>
@@ -8867,15 +9322,13 @@
                 <a:effectLst/>
                 <a:latin typeface="-apple-system"/>
               </a:rPr>
-              <a:t> lead to process.html</a:t>
-            </a:r>
-            <a:br>
-              <a:rPr lang="en-US" sz="2000" dirty="0">
-                <a:solidFill>
-                  <a:schemeClr val="tx1"/>
-                </a:solidFill>
-              </a:rPr>
-            </a:br>
+              <a:t>7. Reset button allows you to clear all the inputs, remove the yellow highlighting and also the reminder messages.</a:t>
+            </a:r>
+          </a:p>
+          <a:p>
+            <a:pPr marL="36900" indent="0" algn="l">
+              <a:buNone/>
+            </a:pPr>
             <a:r>
               <a:rPr lang="en-US" sz="2000" b="0" i="0" dirty="0">
                 <a:solidFill>
@@ -8884,30 +9337,17 @@
                 <a:effectLst/>
                 <a:latin typeface="-apple-system"/>
               </a:rPr>
-              <a:t>You can then click "Add to list“</a:t>
-            </a:r>
-            <a:r>
+              <a:t>8. Once you have successfully completed the form(by clicking submit), you will be brought to "process.html"</a:t>
+            </a:r>
+            <a:br>
               <a:rPr lang="en-US" sz="2000" b="0" i="0" dirty="0">
                 <a:solidFill>
                   <a:schemeClr val="tx1"/>
                 </a:solidFill>
                 <a:effectLst/>
                 <a:latin typeface="-apple-system"/>
-                <a:sym typeface="Wingdings" panose="05000000000000000000" pitchFamily="2" charset="2"/>
               </a:rPr>
-              <a:t> this will </a:t>
-            </a:r>
-            <a:r>
-              <a:rPr lang="en-US" sz="2000" dirty="0">
-                <a:solidFill>
-                  <a:schemeClr val="tx1"/>
-                </a:solidFill>
-                <a:effectLst/>
-                <a:latin typeface="-apple-system"/>
-                <a:sym typeface="Wingdings" panose="05000000000000000000" pitchFamily="2" charset="2"/>
-              </a:rPr>
-              <a:t> append </a:t>
-            </a:r>
+            </a:br>
             <a:r>
               <a:rPr lang="en-US" sz="2000" b="0" i="0" dirty="0">
                 <a:solidFill>
@@ -8915,10 +9355,14 @@
                 </a:solidFill>
                 <a:effectLst/>
                 <a:latin typeface="-apple-system"/>
-                <a:sym typeface="Wingdings" panose="05000000000000000000" pitchFamily="2" charset="2"/>
               </a:rPr>
-              <a:t>the data to the table</a:t>
-            </a:r>
+              <a:t>Here is what a completed form should look like:</a:t>
+            </a:r>
+          </a:p>
+          <a:p>
+            <a:pPr marL="36900" indent="0">
+              <a:buNone/>
+            </a:pPr>
             <a:endParaRPr lang="en-US" sz="2400" dirty="0">
               <a:solidFill>
                 <a:schemeClr val="tx1"/>
@@ -8929,10 +9373,10 @@
       </p:sp>
       <p:pic>
         <p:nvPicPr>
-          <p:cNvPr id="2050" name="Picture 2" descr="image">
+          <p:cNvPr id="4098" name="Picture 2" descr="image">
             <a:extLst>
               <a:ext uri="{FF2B5EF4-FFF2-40B4-BE49-F238E27FC236}">
-                <a16:creationId xmlns:a16="http://schemas.microsoft.com/office/drawing/2014/main" id="{21FAD913-FD2F-9C88-1762-FD65483E9943}"/>
+                <a16:creationId xmlns:a16="http://schemas.microsoft.com/office/drawing/2014/main" id="{B1431B24-00AD-48C0-103D-4DCF49A07D2F}"/>
               </a:ext>
             </a:extLst>
           </p:cNvPr>
@@ -8956,8 +9400,8 @@
         </p:blipFill>
         <p:spPr bwMode="auto">
           <a:xfrm>
-            <a:off x="640682" y="1824037"/>
-            <a:ext cx="5295900" cy="3209925"/>
+            <a:off x="753383" y="1462087"/>
+            <a:ext cx="4905375" cy="3933825"/>
           </a:xfrm>
           <a:prstGeom prst="rect">
             <a:avLst/>
@@ -8977,7 +9421,72 @@
     </p:spTree>
     <p:extLst>
       <p:ext uri="{BB962C8B-B14F-4D97-AF65-F5344CB8AC3E}">
-        <p14:creationId xmlns:p14="http://schemas.microsoft.com/office/powerpoint/2010/main" val="2964491342"/>
+        <p14:creationId xmlns:p14="http://schemas.microsoft.com/office/powerpoint/2010/main" val="2360057233"/>
+      </p:ext>
+    </p:extLst>
+  </p:cSld>
+  <p:clrMapOvr>
+    <a:masterClrMapping/>
+  </p:clrMapOvr>
+</p:sld>
+</file>
+
+<file path=ppt/slides/slide9.xml><?xml version="1.0" encoding="utf-8"?>
+<p:sld xmlns:a="http://schemas.openxmlformats.org/drawingml/2006/main" xmlns:r="http://schemas.openxmlformats.org/officeDocument/2006/relationships" xmlns:p="http://schemas.openxmlformats.org/presentationml/2006/main">
+  <p:cSld>
+    <p:spTree>
+      <p:nvGrpSpPr>
+        <p:cNvPr id="1" name=""/>
+        <p:cNvGrpSpPr/>
+        <p:nvPr/>
+      </p:nvGrpSpPr>
+      <p:grpSpPr>
+        <a:xfrm>
+          <a:off x="0" y="0"/>
+          <a:ext cx="0" cy="0"/>
+          <a:chOff x="0" y="0"/>
+          <a:chExt cx="0" cy="0"/>
+        </a:xfrm>
+      </p:grpSpPr>
+      <p:sp>
+        <p:nvSpPr>
+          <p:cNvPr id="2" name="Title 1">
+            <a:extLst>
+              <a:ext uri="{FF2B5EF4-FFF2-40B4-BE49-F238E27FC236}">
+                <a16:creationId xmlns:a16="http://schemas.microsoft.com/office/drawing/2014/main" id="{07A7CC53-61EC-C95B-640E-EA009F47C81D}"/>
+              </a:ext>
+            </a:extLst>
+          </p:cNvPr>
+          <p:cNvSpPr>
+            <a:spLocks noGrp="1"/>
+          </p:cNvSpPr>
+          <p:nvPr>
+            <p:ph type="title"/>
+          </p:nvPr>
+        </p:nvSpPr>
+        <p:spPr>
+          <a:xfrm>
+            <a:off x="919119" y="2566737"/>
+            <a:ext cx="10353762" cy="1257300"/>
+          </a:xfrm>
+        </p:spPr>
+        <p:txBody>
+          <a:bodyPr>
+            <a:normAutofit/>
+          </a:bodyPr>
+          <a:lstStyle/>
+          <a:p>
+            <a:r>
+              <a:rPr lang="en-US" sz="6600" dirty="0"/>
+              <a:t>process.html</a:t>
+            </a:r>
+          </a:p>
+        </p:txBody>
+      </p:sp>
+    </p:spTree>
+    <p:extLst>
+      <p:ext uri="{BB962C8B-B14F-4D97-AF65-F5344CB8AC3E}">
+        <p14:creationId xmlns:p14="http://schemas.microsoft.com/office/powerpoint/2010/main" val="3889973098"/>
       </p:ext>
     </p:extLst>
   </p:cSld>
@@ -9551,24 +10060,6 @@
 </file>
 
 <file path=customXml/item1.xml><?xml version="1.0" encoding="utf-8"?>
-<?mso-contentType ?>
-<FormTemplates xmlns="http://schemas.microsoft.com/sharepoint/v3/contenttype/forms">
-  <Display>DocumentLibraryForm</Display>
-  <Edit>DocumentLibraryForm</Edit>
-  <New>DocumentLibraryForm</New>
-</FormTemplates>
-</file>
-
-<file path=customXml/item2.xml><?xml version="1.0" encoding="utf-8"?>
-<p:properties xmlns:p="http://schemas.microsoft.com/office/2006/metadata/properties" xmlns:xsi="http://www.w3.org/2001/XMLSchema-instance" xmlns:pc="http://schemas.microsoft.com/office/infopath/2007/PartnerControls">
-  <documentManagement>
-    <Status xmlns="71af3243-3dd4-4a8d-8c0d-dd76da1f02a5">Not started</Status>
-    <MediaServiceKeyPoints xmlns="71af3243-3dd4-4a8d-8c0d-dd76da1f02a5" xsi:nil="true"/>
-  </documentManagement>
-</p:properties>
-</file>
-
-<file path=customXml/item3.xml><?xml version="1.0" encoding="utf-8"?>
 <ct:contentTypeSchema xmlns:ct="http://schemas.microsoft.com/office/2006/metadata/contentType" xmlns:ma="http://schemas.microsoft.com/office/2006/metadata/properties/metaAttributes" ct:_="" ma:_="" ma:contentTypeName="Document" ma:contentTypeID="0x01010079F111ED35F8CC479449609E8A0923A6" ma:contentTypeVersion="12" ma:contentTypeDescription="Create a new document." ma:contentTypeScope="" ma:versionID="a410dd7f93c95333ffa1b60ed6adedd1">
   <xsd:schema xmlns:xsd="http://www.w3.org/2001/XMLSchema" xmlns:xs="http://www.w3.org/2001/XMLSchema" xmlns:p="http://schemas.microsoft.com/office/2006/metadata/properties" xmlns:ns2="71af3243-3dd4-4a8d-8c0d-dd76da1f02a5" xmlns:ns3="16c05727-aa75-4e4a-9b5f-8a80a1165891" targetNamespace="http://schemas.microsoft.com/office/2006/metadata/properties" ma:root="true" ma:fieldsID="a936d9baba76aa3866493feff160faab" ns2:_="" ns3:_="">
     <xsd:import namespace="71af3243-3dd4-4a8d-8c0d-dd76da1f02a5"/>
@@ -9789,25 +10280,25 @@
 </ct:contentTypeSchema>
 </file>
 
-<file path=customXml/itemProps1.xml><?xml version="1.0" encoding="utf-8"?>
-<ds:datastoreItem xmlns:ds="http://schemas.openxmlformats.org/officeDocument/2006/customXml" ds:itemID="{64B270AB-C138-415C-897E-3C24487DECF1}">
-  <ds:schemaRefs>
-    <ds:schemaRef ds:uri="http://schemas.microsoft.com/sharepoint/v3/contenttype/forms"/>
-  </ds:schemaRefs>
-</ds:datastoreItem>
+<file path=customXml/item2.xml><?xml version="1.0" encoding="utf-8"?>
+<p:properties xmlns:p="http://schemas.microsoft.com/office/2006/metadata/properties" xmlns:xsi="http://www.w3.org/2001/XMLSchema-instance" xmlns:pc="http://schemas.microsoft.com/office/infopath/2007/PartnerControls">
+  <documentManagement>
+    <Status xmlns="71af3243-3dd4-4a8d-8c0d-dd76da1f02a5">Not started</Status>
+    <MediaServiceKeyPoints xmlns="71af3243-3dd4-4a8d-8c0d-dd76da1f02a5" xsi:nil="true"/>
+  </documentManagement>
+</p:properties>
 </file>
 
-<file path=customXml/itemProps2.xml><?xml version="1.0" encoding="utf-8"?>
-<ds:datastoreItem xmlns:ds="http://schemas.openxmlformats.org/officeDocument/2006/customXml" ds:itemID="{2C4C00F4-06E9-43E3-AD97-88A857CEFA82}">
-  <ds:schemaRefs>
-    <ds:schemaRef ds:uri="http://schemas.microsoft.com/office/2006/metadata/properties"/>
-    <ds:schemaRef ds:uri="http://schemas.microsoft.com/office/infopath/2007/PartnerControls"/>
-    <ds:schemaRef ds:uri="71af3243-3dd4-4a8d-8c0d-dd76da1f02a5"/>
-  </ds:schemaRefs>
-</ds:datastoreItem>
+<file path=customXml/item3.xml><?xml version="1.0" encoding="utf-8"?>
+<?mso-contentType ?>
+<FormTemplates xmlns="http://schemas.microsoft.com/sharepoint/v3/contenttype/forms">
+  <Display>DocumentLibraryForm</Display>
+  <Edit>DocumentLibraryForm</Edit>
+  <New>DocumentLibraryForm</New>
+</FormTemplates>
 </file>
 
-<file path=customXml/itemProps3.xml><?xml version="1.0" encoding="utf-8"?>
+<file path=customXml/itemProps1.xml><?xml version="1.0" encoding="utf-8"?>
 <ds:datastoreItem xmlns:ds="http://schemas.openxmlformats.org/officeDocument/2006/customXml" ds:itemID="{0585E981-8C91-4205-A0C3-C991F42B4C9E}">
   <ds:schemaRefs>
     <ds:schemaRef ds:uri="http://schemas.microsoft.com/office/2006/metadata/contentType"/>
@@ -9824,4 +10315,22 @@
     <ds:schemaRef ds:uri="http://schemas.microsoft.com/internal/obd"/>
   </ds:schemaRefs>
 </ds:datastoreItem>
+</file>
+
+<file path=customXml/itemProps2.xml><?xml version="1.0" encoding="utf-8"?>
+<ds:datastoreItem xmlns:ds="http://schemas.openxmlformats.org/officeDocument/2006/customXml" ds:itemID="{2C4C00F4-06E9-43E3-AD97-88A857CEFA82}">
+  <ds:schemaRefs>
+    <ds:schemaRef ds:uri="http://schemas.microsoft.com/office/2006/metadata/properties"/>
+    <ds:schemaRef ds:uri="http://schemas.microsoft.com/office/infopath/2007/PartnerControls"/>
+    <ds:schemaRef ds:uri="71af3243-3dd4-4a8d-8c0d-dd76da1f02a5"/>
+  </ds:schemaRefs>
+</ds:datastoreItem>
+</file>
+
+<file path=customXml/itemProps3.xml><?xml version="1.0" encoding="utf-8"?>
+<ds:datastoreItem xmlns:ds="http://schemas.openxmlformats.org/officeDocument/2006/customXml" ds:itemID="{64B270AB-C138-415C-897E-3C24487DECF1}">
+  <ds:schemaRefs>
+    <ds:schemaRef ds:uri="http://schemas.microsoft.com/sharepoint/v3/contenttype/forms"/>
+  </ds:schemaRefs>
+</ds:datastoreItem>
 </file>